--- a/assets/images/Presentation1.pptx
+++ b/assets/images/Presentation1.pptx
@@ -104,6 +104,11 @@
       </a:defRPr>
     </a:lvl9pPr>
   </p:defaultTextStyle>
+  <p:extLst>
+    <p:ext uri="{EFAFB233-063F-42B5-8137-9DF3F51BA10A}">
+      <p15:sldGuideLst xmlns:p15="http://schemas.microsoft.com/office/powerpoint/2012/main"/>
+    </p:ext>
+  </p:extLst>
 </p:presentation>
 </file>
 
@@ -3335,8 +3340,8 @@
         </p:nvSpPr>
         <p:spPr>
           <a:xfrm>
-            <a:off x="9461897" y="3054040"/>
-            <a:ext cx="1151282" cy="276999"/>
+            <a:off x="4098618" y="4693230"/>
+            <a:ext cx="7245243" cy="1862048"/>
           </a:xfrm>
           <a:prstGeom prst="rect">
             <a:avLst/>
@@ -3351,7 +3356,7 @@
           <a:p>
             <a:pPr algn="ctr"/>
             <a:r>
-              <a:rPr lang="en-US" sz="1200" dirty="0">
+              <a:rPr lang="en-US" sz="11500" dirty="0">
                 <a:solidFill>
                   <a:srgbClr val="754EF9"/>
                 </a:solidFill>
@@ -3385,7 +3390,7 @@
         </p:blipFill>
         <p:spPr>
           <a:xfrm>
-            <a:off x="2162044" y="2352674"/>
+            <a:off x="1274589" y="2843004"/>
             <a:ext cx="2824029" cy="1850226"/>
           </a:xfrm>
           <a:prstGeom prst="rect">
@@ -3477,6 +3482,41 @@
           <a:xfrm>
             <a:off x="5651500" y="2346764"/>
             <a:ext cx="1343025" cy="1638300"/>
+          </a:xfrm>
+          <a:prstGeom prst="rect">
+            <a:avLst/>
+          </a:prstGeom>
+        </p:spPr>
+      </p:pic>
+      <p:pic>
+        <p:nvPicPr>
+          <p:cNvPr id="3" name="Picture 2" descr="A picture containing object&#10;&#10;Description automatically generated">
+            <a:extLst>
+              <a:ext uri="{FF2B5EF4-FFF2-40B4-BE49-F238E27FC236}">
+                <a16:creationId xmlns:a16="http://schemas.microsoft.com/office/drawing/2014/main" id="{05920D35-68A7-4ED7-8ABD-5A86D77C4360}"/>
+              </a:ext>
+            </a:extLst>
+          </p:cNvPr>
+          <p:cNvPicPr>
+            <a:picLocks noChangeAspect="1"/>
+          </p:cNvPicPr>
+          <p:nvPr/>
+        </p:nvPicPr>
+        <p:blipFill rotWithShape="1">
+          <a:blip r:embed="rId5">
+            <a:extLst>
+              <a:ext uri="{28A0092B-C50C-407E-A947-70E740481C1C}">
+                <a14:useLocalDpi xmlns:a14="http://schemas.microsoft.com/office/drawing/2010/main" val="0"/>
+              </a:ext>
+            </a:extLst>
+          </a:blip>
+          <a:srcRect l="9991" t="23413" r="12521" b="27076"/>
+          <a:stretch/>
+        </p:blipFill>
+        <p:spPr>
+          <a:xfrm>
+            <a:off x="853862" y="872227"/>
+            <a:ext cx="6599583" cy="1521332"/>
           </a:xfrm>
           <a:prstGeom prst="rect">
             <a:avLst/>
